--- a/김소희/coffee_house.pptx
+++ b/김소희/coffee_house.pptx
@@ -7,7 +7,8 @@
   <p:sldIdLst>
     <p:sldId id="256" r:id="rId2"/>
     <p:sldId id="257" r:id="rId3"/>
-    <p:sldId id="258" r:id="rId4"/>
+    <p:sldId id="259" r:id="rId4"/>
+    <p:sldId id="258" r:id="rId5"/>
   </p:sldIdLst>
   <p:sldSz cx="12192000" cy="6858000"/>
   <p:notesSz cx="6858000" cy="9144000"/>
@@ -106,6 +107,11 @@
       </a:defRPr>
     </a:lvl9pPr>
   </p:defaultTextStyle>
+  <p:extLst>
+    <p:ext uri="{EFAFB233-063F-42B5-8137-9DF3F51BA10A}">
+      <p15:sldGuideLst xmlns:p15="http://schemas.microsoft.com/office/powerpoint/2012/main"/>
+    </p:ext>
+  </p:extLst>
 </p:presentation>
 </file>
 
@@ -3338,7 +3344,7 @@
         <p:spPr>
           <a:xfrm>
             <a:off x="268447" y="268448"/>
-            <a:ext cx="2454518" cy="369332"/>
+            <a:ext cx="1680268" cy="369332"/>
           </a:xfrm>
           <a:prstGeom prst="rect">
             <a:avLst/>
@@ -3357,7 +3363,7 @@
             </a:r>
             <a:r>
               <a:rPr lang="ko-KR" altLang="en-US" dirty="0"/>
-              <a:t>메시지를 정의하라</a:t>
+              <a:t>메시지 정의</a:t>
             </a:r>
           </a:p>
         </p:txBody>
@@ -3563,7 +3569,7 @@
         <p:spPr>
           <a:xfrm>
             <a:off x="268447" y="268448"/>
-            <a:ext cx="2767104" cy="369332"/>
+            <a:ext cx="1992853" cy="369332"/>
           </a:xfrm>
           <a:prstGeom prst="rect">
             <a:avLst/>
@@ -3582,7 +3588,7 @@
             </a:r>
             <a:r>
               <a:rPr lang="ko-KR" altLang="en-US" dirty="0"/>
-              <a:t>책임 대상을 설정하라</a:t>
+              <a:t>책임 대상 설정</a:t>
             </a:r>
           </a:p>
         </p:txBody>
@@ -3985,7 +3991,7 @@
         <p:spPr>
           <a:xfrm>
             <a:off x="268447" y="268448"/>
-            <a:ext cx="2916183" cy="369332"/>
+            <a:ext cx="1911101" cy="369332"/>
           </a:xfrm>
           <a:prstGeom prst="rect">
             <a:avLst/>
@@ -4004,7 +4010,958 @@
             </a:r>
             <a:r>
               <a:rPr lang="ko-KR" altLang="en-US" dirty="0"/>
-              <a:t>인터페이스를 정의하라</a:t>
+              <a:t>협력관계 정의</a:t>
+            </a:r>
+          </a:p>
+        </p:txBody>
+      </p:sp>
+      <p:sp>
+        <p:nvSpPr>
+          <p:cNvPr id="6" name="TextBox 5">
+            <a:extLst>
+              <a:ext uri="{FF2B5EF4-FFF2-40B4-BE49-F238E27FC236}">
+                <a16:creationId xmlns:a16="http://schemas.microsoft.com/office/drawing/2014/main" id="{26C668FA-61C4-499D-B114-02858FAD9DF6}"/>
+              </a:ext>
+            </a:extLst>
+          </p:cNvPr>
+          <p:cNvSpPr txBox="1"/>
+          <p:nvPr/>
+        </p:nvSpPr>
+        <p:spPr>
+          <a:xfrm>
+            <a:off x="1433053" y="2201412"/>
+            <a:ext cx="1503938" cy="307777"/>
+          </a:xfrm>
+          <a:prstGeom prst="rect">
+            <a:avLst/>
+          </a:prstGeom>
+          <a:noFill/>
+        </p:spPr>
+        <p:txBody>
+          <a:bodyPr wrap="none" rtlCol="0">
+            <a:spAutoFit/>
+          </a:bodyPr>
+          <a:lstStyle/>
+          <a:p>
+            <a:r>
+              <a:rPr lang="ko-KR" altLang="en-US" sz="1400" dirty="0"/>
+              <a:t>커피를 주문하라</a:t>
+            </a:r>
+          </a:p>
+        </p:txBody>
+      </p:sp>
+      <p:sp>
+        <p:nvSpPr>
+          <p:cNvPr id="7" name="TextBox 6">
+            <a:extLst>
+              <a:ext uri="{FF2B5EF4-FFF2-40B4-BE49-F238E27FC236}">
+                <a16:creationId xmlns:a16="http://schemas.microsoft.com/office/drawing/2014/main" id="{147F2FFB-6031-4742-81E6-799361309E66}"/>
+              </a:ext>
+            </a:extLst>
+          </p:cNvPr>
+          <p:cNvSpPr txBox="1"/>
+          <p:nvPr/>
+        </p:nvSpPr>
+        <p:spPr>
+          <a:xfrm>
+            <a:off x="5282834" y="2205881"/>
+            <a:ext cx="1683474" cy="307777"/>
+          </a:xfrm>
+          <a:prstGeom prst="rect">
+            <a:avLst/>
+          </a:prstGeom>
+          <a:noFill/>
+        </p:spPr>
+        <p:txBody>
+          <a:bodyPr wrap="none" rtlCol="0">
+            <a:spAutoFit/>
+          </a:bodyPr>
+          <a:lstStyle/>
+          <a:p>
+            <a:r>
+              <a:rPr lang="ko-KR" altLang="en-US" sz="1400" dirty="0"/>
+              <a:t>메뉴항목을 찾아라</a:t>
+            </a:r>
+          </a:p>
+        </p:txBody>
+      </p:sp>
+      <p:sp>
+        <p:nvSpPr>
+          <p:cNvPr id="8" name="TextBox 7">
+            <a:extLst>
+              <a:ext uri="{FF2B5EF4-FFF2-40B4-BE49-F238E27FC236}">
+                <a16:creationId xmlns:a16="http://schemas.microsoft.com/office/drawing/2014/main" id="{352D1354-C206-4EAF-9DA8-AE35E4201243}"/>
+              </a:ext>
+            </a:extLst>
+          </p:cNvPr>
+          <p:cNvSpPr txBox="1"/>
+          <p:nvPr/>
+        </p:nvSpPr>
+        <p:spPr>
+          <a:xfrm>
+            <a:off x="2748961" y="2848681"/>
+            <a:ext cx="1503938" cy="307777"/>
+          </a:xfrm>
+          <a:prstGeom prst="rect">
+            <a:avLst/>
+          </a:prstGeom>
+          <a:noFill/>
+        </p:spPr>
+        <p:txBody>
+          <a:bodyPr wrap="none" rtlCol="0">
+            <a:spAutoFit/>
+          </a:bodyPr>
+          <a:lstStyle/>
+          <a:p>
+            <a:r>
+              <a:rPr lang="ko-KR" altLang="en-US" sz="1400" dirty="0"/>
+              <a:t>커피를 제조하라</a:t>
+            </a:r>
+          </a:p>
+        </p:txBody>
+      </p:sp>
+      <p:sp>
+        <p:nvSpPr>
+          <p:cNvPr id="9" name="TextBox 8">
+            <a:extLst>
+              <a:ext uri="{FF2B5EF4-FFF2-40B4-BE49-F238E27FC236}">
+                <a16:creationId xmlns:a16="http://schemas.microsoft.com/office/drawing/2014/main" id="{9B02990F-140A-4DC2-B913-B8AF884987C2}"/>
+              </a:ext>
+            </a:extLst>
+          </p:cNvPr>
+          <p:cNvSpPr txBox="1"/>
+          <p:nvPr/>
+        </p:nvSpPr>
+        <p:spPr>
+          <a:xfrm>
+            <a:off x="5462370" y="4555463"/>
+            <a:ext cx="1503938" cy="307777"/>
+          </a:xfrm>
+          <a:prstGeom prst="rect">
+            <a:avLst/>
+          </a:prstGeom>
+          <a:noFill/>
+        </p:spPr>
+        <p:txBody>
+          <a:bodyPr wrap="none" rtlCol="0">
+            <a:spAutoFit/>
+          </a:bodyPr>
+          <a:lstStyle/>
+          <a:p>
+            <a:r>
+              <a:rPr lang="ko-KR" altLang="en-US" sz="1400" dirty="0"/>
+              <a:t>커피를 생성하라</a:t>
+            </a:r>
+          </a:p>
+        </p:txBody>
+      </p:sp>
+      <p:sp>
+        <p:nvSpPr>
+          <p:cNvPr id="2" name="직사각형 1">
+            <a:extLst>
+              <a:ext uri="{FF2B5EF4-FFF2-40B4-BE49-F238E27FC236}">
+                <a16:creationId xmlns:a16="http://schemas.microsoft.com/office/drawing/2014/main" id="{5B26B6C1-6EA6-4971-B705-E41D7AD9150B}"/>
+              </a:ext>
+            </a:extLst>
+          </p:cNvPr>
+          <p:cNvSpPr/>
+          <p:nvPr/>
+        </p:nvSpPr>
+        <p:spPr>
+          <a:xfrm>
+            <a:off x="3322038" y="2378337"/>
+            <a:ext cx="1732805" cy="369332"/>
+          </a:xfrm>
+          <a:prstGeom prst="rect">
+            <a:avLst/>
+          </a:prstGeom>
+        </p:spPr>
+        <p:style>
+          <a:lnRef idx="2">
+            <a:schemeClr val="accent1">
+              <a:shade val="50000"/>
+            </a:schemeClr>
+          </a:lnRef>
+          <a:fillRef idx="1">
+            <a:schemeClr val="accent1"/>
+          </a:fillRef>
+          <a:effectRef idx="0">
+            <a:schemeClr val="accent1"/>
+          </a:effectRef>
+          <a:fontRef idx="minor">
+            <a:schemeClr val="lt1"/>
+          </a:fontRef>
+        </p:style>
+        <p:txBody>
+          <a:bodyPr rtlCol="0" anchor="ctr"/>
+          <a:lstStyle/>
+          <a:p>
+            <a:pPr algn="ctr"/>
+            <a:r>
+              <a:rPr lang="ko-KR" altLang="en-US" sz="1200" dirty="0"/>
+              <a:t>손님</a:t>
+            </a:r>
+          </a:p>
+        </p:txBody>
+      </p:sp>
+      <p:sp>
+        <p:nvSpPr>
+          <p:cNvPr id="10" name="직사각형 9">
+            <a:extLst>
+              <a:ext uri="{FF2B5EF4-FFF2-40B4-BE49-F238E27FC236}">
+                <a16:creationId xmlns:a16="http://schemas.microsoft.com/office/drawing/2014/main" id="{595244B4-87B9-4332-B078-FCEB5DFBB94D}"/>
+              </a:ext>
+            </a:extLst>
+          </p:cNvPr>
+          <p:cNvSpPr/>
+          <p:nvPr/>
+        </p:nvSpPr>
+        <p:spPr>
+          <a:xfrm>
+            <a:off x="7340364" y="2378337"/>
+            <a:ext cx="1732805" cy="369332"/>
+          </a:xfrm>
+          <a:prstGeom prst="rect">
+            <a:avLst/>
+          </a:prstGeom>
+        </p:spPr>
+        <p:style>
+          <a:lnRef idx="2">
+            <a:schemeClr val="accent1">
+              <a:shade val="50000"/>
+            </a:schemeClr>
+          </a:lnRef>
+          <a:fillRef idx="1">
+            <a:schemeClr val="accent1"/>
+          </a:fillRef>
+          <a:effectRef idx="0">
+            <a:schemeClr val="accent1"/>
+          </a:effectRef>
+          <a:fontRef idx="minor">
+            <a:schemeClr val="lt1"/>
+          </a:fontRef>
+        </p:style>
+        <p:txBody>
+          <a:bodyPr rtlCol="0" anchor="ctr"/>
+          <a:lstStyle/>
+          <a:p>
+            <a:pPr algn="ctr"/>
+            <a:r>
+              <a:rPr lang="ko-KR" altLang="en-US" sz="1200" dirty="0" err="1"/>
+              <a:t>메뉴판</a:t>
+            </a:r>
+            <a:endParaRPr lang="ko-KR" altLang="en-US" sz="1200" dirty="0"/>
+          </a:p>
+        </p:txBody>
+      </p:sp>
+      <p:sp>
+        <p:nvSpPr>
+          <p:cNvPr id="11" name="직사각형 10">
+            <a:extLst>
+              <a:ext uri="{FF2B5EF4-FFF2-40B4-BE49-F238E27FC236}">
+                <a16:creationId xmlns:a16="http://schemas.microsoft.com/office/drawing/2014/main" id="{ECA68C39-118A-4095-A231-8CE80E6CDD68}"/>
+              </a:ext>
+            </a:extLst>
+          </p:cNvPr>
+          <p:cNvSpPr/>
+          <p:nvPr/>
+        </p:nvSpPr>
+        <p:spPr>
+          <a:xfrm>
+            <a:off x="3322038" y="4678574"/>
+            <a:ext cx="1732805" cy="369332"/>
+          </a:xfrm>
+          <a:prstGeom prst="rect">
+            <a:avLst/>
+          </a:prstGeom>
+        </p:spPr>
+        <p:style>
+          <a:lnRef idx="2">
+            <a:schemeClr val="accent1">
+              <a:shade val="50000"/>
+            </a:schemeClr>
+          </a:lnRef>
+          <a:fillRef idx="1">
+            <a:schemeClr val="accent1"/>
+          </a:fillRef>
+          <a:effectRef idx="0">
+            <a:schemeClr val="accent1"/>
+          </a:effectRef>
+          <a:fontRef idx="minor">
+            <a:schemeClr val="lt1"/>
+          </a:fontRef>
+        </p:style>
+        <p:txBody>
+          <a:bodyPr rtlCol="0" anchor="ctr"/>
+          <a:lstStyle/>
+          <a:p>
+            <a:pPr algn="ctr"/>
+            <a:r>
+              <a:rPr lang="ko-KR" altLang="en-US" sz="1200" dirty="0"/>
+              <a:t>바리스타</a:t>
+            </a:r>
+          </a:p>
+        </p:txBody>
+      </p:sp>
+      <p:sp>
+        <p:nvSpPr>
+          <p:cNvPr id="12" name="직사각형 11">
+            <a:extLst>
+              <a:ext uri="{FF2B5EF4-FFF2-40B4-BE49-F238E27FC236}">
+                <a16:creationId xmlns:a16="http://schemas.microsoft.com/office/drawing/2014/main" id="{3F5FE456-B59C-46AB-8248-94CDEC089C33}"/>
+              </a:ext>
+            </a:extLst>
+          </p:cNvPr>
+          <p:cNvSpPr/>
+          <p:nvPr/>
+        </p:nvSpPr>
+        <p:spPr>
+          <a:xfrm>
+            <a:off x="7340364" y="4678574"/>
+            <a:ext cx="1732805" cy="369332"/>
+          </a:xfrm>
+          <a:prstGeom prst="rect">
+            <a:avLst/>
+          </a:prstGeom>
+        </p:spPr>
+        <p:style>
+          <a:lnRef idx="2">
+            <a:schemeClr val="accent1">
+              <a:shade val="50000"/>
+            </a:schemeClr>
+          </a:lnRef>
+          <a:fillRef idx="1">
+            <a:schemeClr val="accent1"/>
+          </a:fillRef>
+          <a:effectRef idx="0">
+            <a:schemeClr val="accent1"/>
+          </a:effectRef>
+          <a:fontRef idx="minor">
+            <a:schemeClr val="lt1"/>
+          </a:fontRef>
+        </p:style>
+        <p:txBody>
+          <a:bodyPr rtlCol="0" anchor="ctr"/>
+          <a:lstStyle/>
+          <a:p>
+            <a:pPr algn="ctr"/>
+            <a:r>
+              <a:rPr lang="ko-KR" altLang="en-US" sz="1200" dirty="0"/>
+              <a:t>커피</a:t>
+            </a:r>
+          </a:p>
+        </p:txBody>
+      </p:sp>
+      <p:cxnSp>
+        <p:nvCxnSpPr>
+          <p:cNvPr id="18" name="직선 화살표 연결선 17">
+            <a:extLst>
+              <a:ext uri="{FF2B5EF4-FFF2-40B4-BE49-F238E27FC236}">
+                <a16:creationId xmlns:a16="http://schemas.microsoft.com/office/drawing/2014/main" id="{6130AD2A-BC52-4D81-8DBC-639DC5FEC185}"/>
+              </a:ext>
+            </a:extLst>
+          </p:cNvPr>
+          <p:cNvCxnSpPr>
+            <a:cxnSpLocks/>
+            <a:endCxn id="2" idx="1"/>
+          </p:cNvCxnSpPr>
+          <p:nvPr/>
+        </p:nvCxnSpPr>
+        <p:spPr>
+          <a:xfrm flipV="1">
+            <a:off x="1433053" y="2563003"/>
+            <a:ext cx="1888985" cy="7742"/>
+          </a:xfrm>
+          <a:prstGeom prst="straightConnector1">
+            <a:avLst/>
+          </a:prstGeom>
+          <a:ln>
+            <a:tailEnd type="triangle"/>
+          </a:ln>
+        </p:spPr>
+        <p:style>
+          <a:lnRef idx="1">
+            <a:schemeClr val="accent1"/>
+          </a:lnRef>
+          <a:fillRef idx="0">
+            <a:schemeClr val="accent1"/>
+          </a:fillRef>
+          <a:effectRef idx="0">
+            <a:schemeClr val="accent1"/>
+          </a:effectRef>
+          <a:fontRef idx="minor">
+            <a:schemeClr val="tx1"/>
+          </a:fontRef>
+        </p:style>
+      </p:cxnSp>
+      <p:cxnSp>
+        <p:nvCxnSpPr>
+          <p:cNvPr id="19" name="직선 화살표 연결선 18">
+            <a:extLst>
+              <a:ext uri="{FF2B5EF4-FFF2-40B4-BE49-F238E27FC236}">
+                <a16:creationId xmlns:a16="http://schemas.microsoft.com/office/drawing/2014/main" id="{64B964F1-9673-4646-97B7-53640B0022F9}"/>
+              </a:ext>
+            </a:extLst>
+          </p:cNvPr>
+          <p:cNvCxnSpPr>
+            <a:cxnSpLocks/>
+            <a:stCxn id="2" idx="3"/>
+            <a:endCxn id="10" idx="1"/>
+          </p:cNvCxnSpPr>
+          <p:nvPr/>
+        </p:nvCxnSpPr>
+        <p:spPr>
+          <a:xfrm>
+            <a:off x="5054843" y="2563003"/>
+            <a:ext cx="2285521" cy="0"/>
+          </a:xfrm>
+          <a:prstGeom prst="straightConnector1">
+            <a:avLst/>
+          </a:prstGeom>
+          <a:ln>
+            <a:tailEnd type="triangle"/>
+          </a:ln>
+        </p:spPr>
+        <p:style>
+          <a:lnRef idx="1">
+            <a:schemeClr val="accent1"/>
+          </a:lnRef>
+          <a:fillRef idx="0">
+            <a:schemeClr val="accent1"/>
+          </a:fillRef>
+          <a:effectRef idx="0">
+            <a:schemeClr val="accent1"/>
+          </a:effectRef>
+          <a:fontRef idx="minor">
+            <a:schemeClr val="tx1"/>
+          </a:fontRef>
+        </p:style>
+      </p:cxnSp>
+      <p:cxnSp>
+        <p:nvCxnSpPr>
+          <p:cNvPr id="21" name="직선 화살표 연결선 20">
+            <a:extLst>
+              <a:ext uri="{FF2B5EF4-FFF2-40B4-BE49-F238E27FC236}">
+                <a16:creationId xmlns:a16="http://schemas.microsoft.com/office/drawing/2014/main" id="{35D8D357-16EB-4F86-9850-63570D7A8C90}"/>
+              </a:ext>
+            </a:extLst>
+          </p:cNvPr>
+          <p:cNvCxnSpPr/>
+          <p:nvPr/>
+        </p:nvCxnSpPr>
+        <p:spPr>
+          <a:xfrm flipH="1">
+            <a:off x="5754849" y="2714553"/>
+            <a:ext cx="896815" cy="0"/>
+          </a:xfrm>
+          <a:prstGeom prst="straightConnector1">
+            <a:avLst/>
+          </a:prstGeom>
+          <a:ln>
+            <a:tailEnd type="triangle"/>
+          </a:ln>
+        </p:spPr>
+        <p:style>
+          <a:lnRef idx="1">
+            <a:schemeClr val="accent1"/>
+          </a:lnRef>
+          <a:fillRef idx="0">
+            <a:schemeClr val="accent1"/>
+          </a:fillRef>
+          <a:effectRef idx="0">
+            <a:schemeClr val="accent1"/>
+          </a:effectRef>
+          <a:fontRef idx="minor">
+            <a:schemeClr val="tx1"/>
+          </a:fontRef>
+        </p:style>
+      </p:cxnSp>
+      <p:sp>
+        <p:nvSpPr>
+          <p:cNvPr id="22" name="TextBox 21">
+            <a:extLst>
+              <a:ext uri="{FF2B5EF4-FFF2-40B4-BE49-F238E27FC236}">
+                <a16:creationId xmlns:a16="http://schemas.microsoft.com/office/drawing/2014/main" id="{BF066FB7-1F09-4AD2-B45C-674625D4FFC9}"/>
+              </a:ext>
+            </a:extLst>
+          </p:cNvPr>
+          <p:cNvSpPr txBox="1"/>
+          <p:nvPr/>
+        </p:nvSpPr>
+        <p:spPr>
+          <a:xfrm>
+            <a:off x="5787599" y="2747669"/>
+            <a:ext cx="965329" cy="307777"/>
+          </a:xfrm>
+          <a:prstGeom prst="rect">
+            <a:avLst/>
+          </a:prstGeom>
+          <a:noFill/>
+        </p:spPr>
+        <p:txBody>
+          <a:bodyPr wrap="none" rtlCol="0">
+            <a:spAutoFit/>
+          </a:bodyPr>
+          <a:lstStyle/>
+          <a:p>
+            <a:r>
+              <a:rPr lang="ko-KR" altLang="en-US" sz="1400" dirty="0"/>
+              <a:t>메뉴 항목</a:t>
+            </a:r>
+          </a:p>
+        </p:txBody>
+      </p:sp>
+      <p:sp>
+        <p:nvSpPr>
+          <p:cNvPr id="24" name="TextBox 23">
+            <a:extLst>
+              <a:ext uri="{FF2B5EF4-FFF2-40B4-BE49-F238E27FC236}">
+                <a16:creationId xmlns:a16="http://schemas.microsoft.com/office/drawing/2014/main" id="{3EB1F129-CEEF-4D41-B4A6-FD63C7A27B8A}"/>
+              </a:ext>
+            </a:extLst>
+          </p:cNvPr>
+          <p:cNvSpPr txBox="1"/>
+          <p:nvPr/>
+        </p:nvSpPr>
+        <p:spPr>
+          <a:xfrm>
+            <a:off x="5787599" y="1810017"/>
+            <a:ext cx="965329" cy="307777"/>
+          </a:xfrm>
+          <a:prstGeom prst="rect">
+            <a:avLst/>
+          </a:prstGeom>
+          <a:noFill/>
+        </p:spPr>
+        <p:txBody>
+          <a:bodyPr wrap="none" rtlCol="0">
+            <a:spAutoFit/>
+          </a:bodyPr>
+          <a:lstStyle/>
+          <a:p>
+            <a:r>
+              <a:rPr lang="ko-KR" altLang="en-US" sz="1400" dirty="0"/>
+              <a:t>메뉴 이름</a:t>
+            </a:r>
+          </a:p>
+        </p:txBody>
+      </p:sp>
+      <p:cxnSp>
+        <p:nvCxnSpPr>
+          <p:cNvPr id="26" name="직선 화살표 연결선 25">
+            <a:extLst>
+              <a:ext uri="{FF2B5EF4-FFF2-40B4-BE49-F238E27FC236}">
+                <a16:creationId xmlns:a16="http://schemas.microsoft.com/office/drawing/2014/main" id="{4162C082-C697-4336-8BC2-7F021B84501C}"/>
+              </a:ext>
+            </a:extLst>
+          </p:cNvPr>
+          <p:cNvCxnSpPr/>
+          <p:nvPr/>
+        </p:nvCxnSpPr>
+        <p:spPr>
+          <a:xfrm>
+            <a:off x="5830139" y="2109388"/>
+            <a:ext cx="922789" cy="0"/>
+          </a:xfrm>
+          <a:prstGeom prst="straightConnector1">
+            <a:avLst/>
+          </a:prstGeom>
+          <a:ln>
+            <a:tailEnd type="triangle"/>
+          </a:ln>
+        </p:spPr>
+        <p:style>
+          <a:lnRef idx="1">
+            <a:schemeClr val="accent1"/>
+          </a:lnRef>
+          <a:fillRef idx="0">
+            <a:schemeClr val="accent1"/>
+          </a:fillRef>
+          <a:effectRef idx="0">
+            <a:schemeClr val="accent1"/>
+          </a:effectRef>
+          <a:fontRef idx="minor">
+            <a:schemeClr val="tx1"/>
+          </a:fontRef>
+        </p:style>
+      </p:cxnSp>
+      <p:cxnSp>
+        <p:nvCxnSpPr>
+          <p:cNvPr id="29" name="직선 화살표 연결선 28">
+            <a:extLst>
+              <a:ext uri="{FF2B5EF4-FFF2-40B4-BE49-F238E27FC236}">
+                <a16:creationId xmlns:a16="http://schemas.microsoft.com/office/drawing/2014/main" id="{F2C147B5-CFBD-41E0-8EAB-87BD0964F51B}"/>
+              </a:ext>
+            </a:extLst>
+          </p:cNvPr>
+          <p:cNvCxnSpPr>
+            <a:cxnSpLocks/>
+          </p:cNvCxnSpPr>
+          <p:nvPr/>
+        </p:nvCxnSpPr>
+        <p:spPr>
+          <a:xfrm rot="16200000" flipH="1">
+            <a:off x="3631209" y="3702528"/>
+            <a:ext cx="896815" cy="0"/>
+          </a:xfrm>
+          <a:prstGeom prst="straightConnector1">
+            <a:avLst/>
+          </a:prstGeom>
+          <a:ln>
+            <a:tailEnd type="triangle"/>
+          </a:ln>
+        </p:spPr>
+        <p:style>
+          <a:lnRef idx="1">
+            <a:schemeClr val="accent1"/>
+          </a:lnRef>
+          <a:fillRef idx="0">
+            <a:schemeClr val="accent1"/>
+          </a:fillRef>
+          <a:effectRef idx="0">
+            <a:schemeClr val="accent1"/>
+          </a:effectRef>
+          <a:fontRef idx="minor">
+            <a:schemeClr val="tx1"/>
+          </a:fontRef>
+        </p:style>
+      </p:cxnSp>
+      <p:sp>
+        <p:nvSpPr>
+          <p:cNvPr id="30" name="TextBox 29">
+            <a:extLst>
+              <a:ext uri="{FF2B5EF4-FFF2-40B4-BE49-F238E27FC236}">
+                <a16:creationId xmlns:a16="http://schemas.microsoft.com/office/drawing/2014/main" id="{2598AB25-6538-465C-875B-50D805646A4F}"/>
+              </a:ext>
+            </a:extLst>
+          </p:cNvPr>
+          <p:cNvSpPr txBox="1"/>
+          <p:nvPr/>
+        </p:nvSpPr>
+        <p:spPr>
+          <a:xfrm rot="16200000">
+            <a:off x="3443063" y="3548639"/>
+            <a:ext cx="965329" cy="307777"/>
+          </a:xfrm>
+          <a:prstGeom prst="rect">
+            <a:avLst/>
+          </a:prstGeom>
+          <a:noFill/>
+        </p:spPr>
+        <p:txBody>
+          <a:bodyPr wrap="none" rtlCol="0">
+            <a:spAutoFit/>
+          </a:bodyPr>
+          <a:lstStyle/>
+          <a:p>
+            <a:r>
+              <a:rPr lang="ko-KR" altLang="en-US" sz="1400" dirty="0"/>
+              <a:t>메뉴 항목</a:t>
+            </a:r>
+          </a:p>
+        </p:txBody>
+      </p:sp>
+      <p:cxnSp>
+        <p:nvCxnSpPr>
+          <p:cNvPr id="32" name="직선 화살표 연결선 31">
+            <a:extLst>
+              <a:ext uri="{FF2B5EF4-FFF2-40B4-BE49-F238E27FC236}">
+                <a16:creationId xmlns:a16="http://schemas.microsoft.com/office/drawing/2014/main" id="{62088CC9-840E-45B0-B8F3-037C13C1E445}"/>
+              </a:ext>
+            </a:extLst>
+          </p:cNvPr>
+          <p:cNvCxnSpPr>
+            <a:cxnSpLocks/>
+          </p:cNvCxnSpPr>
+          <p:nvPr/>
+        </p:nvCxnSpPr>
+        <p:spPr>
+          <a:xfrm rot="5400000" flipH="1">
+            <a:off x="3912514" y="3700870"/>
+            <a:ext cx="896815" cy="0"/>
+          </a:xfrm>
+          <a:prstGeom prst="straightConnector1">
+            <a:avLst/>
+          </a:prstGeom>
+          <a:ln>
+            <a:tailEnd type="triangle"/>
+          </a:ln>
+        </p:spPr>
+        <p:style>
+          <a:lnRef idx="1">
+            <a:schemeClr val="accent1"/>
+          </a:lnRef>
+          <a:fillRef idx="0">
+            <a:schemeClr val="accent1"/>
+          </a:fillRef>
+          <a:effectRef idx="0">
+            <a:schemeClr val="accent1"/>
+          </a:effectRef>
+          <a:fontRef idx="minor">
+            <a:schemeClr val="tx1"/>
+          </a:fontRef>
+        </p:style>
+      </p:cxnSp>
+      <p:sp>
+        <p:nvSpPr>
+          <p:cNvPr id="33" name="TextBox 32">
+            <a:extLst>
+              <a:ext uri="{FF2B5EF4-FFF2-40B4-BE49-F238E27FC236}">
+                <a16:creationId xmlns:a16="http://schemas.microsoft.com/office/drawing/2014/main" id="{3E3F5FA2-CDB5-4733-8ECA-B0A9EC6786F4}"/>
+              </a:ext>
+            </a:extLst>
+          </p:cNvPr>
+          <p:cNvSpPr txBox="1"/>
+          <p:nvPr/>
+        </p:nvSpPr>
+        <p:spPr>
+          <a:xfrm rot="5400000">
+            <a:off x="4249148" y="3546981"/>
+            <a:ext cx="543739" cy="307777"/>
+          </a:xfrm>
+          <a:prstGeom prst="rect">
+            <a:avLst/>
+          </a:prstGeom>
+          <a:noFill/>
+        </p:spPr>
+        <p:txBody>
+          <a:bodyPr wrap="none" rtlCol="0">
+            <a:spAutoFit/>
+          </a:bodyPr>
+          <a:lstStyle/>
+          <a:p>
+            <a:r>
+              <a:rPr lang="ko-KR" altLang="en-US" sz="1400" dirty="0"/>
+              <a:t>커피</a:t>
+            </a:r>
+          </a:p>
+        </p:txBody>
+      </p:sp>
+      <p:cxnSp>
+        <p:nvCxnSpPr>
+          <p:cNvPr id="35" name="직선 화살표 연결선 34">
+            <a:extLst>
+              <a:ext uri="{FF2B5EF4-FFF2-40B4-BE49-F238E27FC236}">
+                <a16:creationId xmlns:a16="http://schemas.microsoft.com/office/drawing/2014/main" id="{65578743-D22F-4532-A80C-1B35B074F021}"/>
+              </a:ext>
+            </a:extLst>
+          </p:cNvPr>
+          <p:cNvCxnSpPr>
+            <a:cxnSpLocks/>
+            <a:stCxn id="2" idx="2"/>
+            <a:endCxn id="11" idx="0"/>
+          </p:cNvCxnSpPr>
+          <p:nvPr/>
+        </p:nvCxnSpPr>
+        <p:spPr>
+          <a:xfrm>
+            <a:off x="4188441" y="2747669"/>
+            <a:ext cx="0" cy="1930905"/>
+          </a:xfrm>
+          <a:prstGeom prst="straightConnector1">
+            <a:avLst/>
+          </a:prstGeom>
+          <a:ln>
+            <a:tailEnd type="triangle"/>
+          </a:ln>
+        </p:spPr>
+        <p:style>
+          <a:lnRef idx="1">
+            <a:schemeClr val="accent1"/>
+          </a:lnRef>
+          <a:fillRef idx="0">
+            <a:schemeClr val="accent1"/>
+          </a:fillRef>
+          <a:effectRef idx="0">
+            <a:schemeClr val="accent1"/>
+          </a:effectRef>
+          <a:fontRef idx="minor">
+            <a:schemeClr val="tx1"/>
+          </a:fontRef>
+        </p:style>
+      </p:cxnSp>
+      <p:sp>
+        <p:nvSpPr>
+          <p:cNvPr id="41" name="TextBox 40">
+            <a:extLst>
+              <a:ext uri="{FF2B5EF4-FFF2-40B4-BE49-F238E27FC236}">
+                <a16:creationId xmlns:a16="http://schemas.microsoft.com/office/drawing/2014/main" id="{9DB0CAE9-BFAE-4ACD-AF06-8C083487D744}"/>
+              </a:ext>
+            </a:extLst>
+          </p:cNvPr>
+          <p:cNvSpPr txBox="1"/>
+          <p:nvPr/>
+        </p:nvSpPr>
+        <p:spPr>
+          <a:xfrm>
+            <a:off x="1661614" y="1839821"/>
+            <a:ext cx="965329" cy="307777"/>
+          </a:xfrm>
+          <a:prstGeom prst="rect">
+            <a:avLst/>
+          </a:prstGeom>
+          <a:noFill/>
+        </p:spPr>
+        <p:txBody>
+          <a:bodyPr wrap="none" rtlCol="0">
+            <a:spAutoFit/>
+          </a:bodyPr>
+          <a:lstStyle/>
+          <a:p>
+            <a:r>
+              <a:rPr lang="ko-KR" altLang="en-US" sz="1400" dirty="0"/>
+              <a:t>메뉴 이름</a:t>
+            </a:r>
+          </a:p>
+        </p:txBody>
+      </p:sp>
+      <p:cxnSp>
+        <p:nvCxnSpPr>
+          <p:cNvPr id="42" name="직선 화살표 연결선 41">
+            <a:extLst>
+              <a:ext uri="{FF2B5EF4-FFF2-40B4-BE49-F238E27FC236}">
+                <a16:creationId xmlns:a16="http://schemas.microsoft.com/office/drawing/2014/main" id="{47EEBBBB-688B-4050-9397-6E895B8029C0}"/>
+              </a:ext>
+            </a:extLst>
+          </p:cNvPr>
+          <p:cNvCxnSpPr/>
+          <p:nvPr/>
+        </p:nvCxnSpPr>
+        <p:spPr>
+          <a:xfrm>
+            <a:off x="1704154" y="2139192"/>
+            <a:ext cx="922789" cy="0"/>
+          </a:xfrm>
+          <a:prstGeom prst="straightConnector1">
+            <a:avLst/>
+          </a:prstGeom>
+          <a:ln>
+            <a:tailEnd type="triangle"/>
+          </a:ln>
+        </p:spPr>
+        <p:style>
+          <a:lnRef idx="1">
+            <a:schemeClr val="accent1"/>
+          </a:lnRef>
+          <a:fillRef idx="0">
+            <a:schemeClr val="accent1"/>
+          </a:fillRef>
+          <a:effectRef idx="0">
+            <a:schemeClr val="accent1"/>
+          </a:effectRef>
+          <a:fontRef idx="minor">
+            <a:schemeClr val="tx1"/>
+          </a:fontRef>
+        </p:style>
+      </p:cxnSp>
+      <p:cxnSp>
+        <p:nvCxnSpPr>
+          <p:cNvPr id="45" name="직선 화살표 연결선 44">
+            <a:extLst>
+              <a:ext uri="{FF2B5EF4-FFF2-40B4-BE49-F238E27FC236}">
+                <a16:creationId xmlns:a16="http://schemas.microsoft.com/office/drawing/2014/main" id="{19B3F7F3-6564-4C39-A87C-C1DFE7B3D3F7}"/>
+              </a:ext>
+            </a:extLst>
+          </p:cNvPr>
+          <p:cNvCxnSpPr>
+            <a:cxnSpLocks/>
+            <a:stCxn id="11" idx="3"/>
+            <a:endCxn id="12" idx="1"/>
+          </p:cNvCxnSpPr>
+          <p:nvPr/>
+        </p:nvCxnSpPr>
+        <p:spPr>
+          <a:xfrm>
+            <a:off x="5054843" y="4863240"/>
+            <a:ext cx="2285521" cy="0"/>
+          </a:xfrm>
+          <a:prstGeom prst="straightConnector1">
+            <a:avLst/>
+          </a:prstGeom>
+          <a:ln>
+            <a:tailEnd type="triangle"/>
+          </a:ln>
+        </p:spPr>
+        <p:style>
+          <a:lnRef idx="1">
+            <a:schemeClr val="accent1"/>
+          </a:lnRef>
+          <a:fillRef idx="0">
+            <a:schemeClr val="accent1"/>
+          </a:fillRef>
+          <a:effectRef idx="0">
+            <a:schemeClr val="accent1"/>
+          </a:effectRef>
+          <a:fontRef idx="minor">
+            <a:schemeClr val="tx1"/>
+          </a:fontRef>
+        </p:style>
+      </p:cxnSp>
+    </p:spTree>
+    <p:extLst>
+      <p:ext uri="{BB962C8B-B14F-4D97-AF65-F5344CB8AC3E}">
+        <p14:creationId xmlns:p14="http://schemas.microsoft.com/office/powerpoint/2010/main" val="3177058046"/>
+      </p:ext>
+    </p:extLst>
+  </p:cSld>
+  <p:clrMapOvr>
+    <a:masterClrMapping/>
+  </p:clrMapOvr>
+</p:sld>
+</file>
+
+<file path=ppt/slides/slide4.xml><?xml version="1.0" encoding="utf-8"?>
+<p:sld xmlns:a="http://schemas.openxmlformats.org/drawingml/2006/main" xmlns:r="http://schemas.openxmlformats.org/officeDocument/2006/relationships" xmlns:p="http://schemas.openxmlformats.org/presentationml/2006/main">
+  <p:cSld>
+    <p:spTree>
+      <p:nvGrpSpPr>
+        <p:cNvPr id="1" name=""/>
+        <p:cNvGrpSpPr/>
+        <p:nvPr/>
+      </p:nvGrpSpPr>
+      <p:grpSpPr>
+        <a:xfrm>
+          <a:off x="0" y="0"/>
+          <a:ext cx="0" cy="0"/>
+          <a:chOff x="0" y="0"/>
+          <a:chExt cx="0" cy="0"/>
+        </a:xfrm>
+      </p:grpSpPr>
+      <p:sp>
+        <p:nvSpPr>
+          <p:cNvPr id="4" name="TextBox 3">
+            <a:extLst>
+              <a:ext uri="{FF2B5EF4-FFF2-40B4-BE49-F238E27FC236}">
+                <a16:creationId xmlns:a16="http://schemas.microsoft.com/office/drawing/2014/main" id="{E2BAC39A-E995-4293-A048-B592A6BCEB10}"/>
+              </a:ext>
+            </a:extLst>
+          </p:cNvPr>
+          <p:cNvSpPr txBox="1"/>
+          <p:nvPr/>
+        </p:nvSpPr>
+        <p:spPr>
+          <a:xfrm>
+            <a:off x="268447" y="268448"/>
+            <a:ext cx="2141933" cy="369332"/>
+          </a:xfrm>
+          <a:prstGeom prst="rect">
+            <a:avLst/>
+          </a:prstGeom>
+          <a:noFill/>
+        </p:spPr>
+        <p:txBody>
+          <a:bodyPr wrap="none" rtlCol="0">
+            <a:spAutoFit/>
+          </a:bodyPr>
+          <a:lstStyle/>
+          <a:p>
+            <a:r>
+              <a:rPr lang="en-US" altLang="ko-KR" dirty="0"/>
+              <a:t>4. </a:t>
+            </a:r>
+            <a:r>
+              <a:rPr lang="ko-KR" altLang="en-US" dirty="0"/>
+              <a:t>인터페이스 정의</a:t>
             </a:r>
           </a:p>
         </p:txBody>
